--- a/__tests__/pptx-templates/SlidesWithAdditionalMaster.pptx
+++ b/__tests__/pptx-templates/SlidesWithAdditionalMaster.pptx
@@ -200,7 +200,7 @@
           <a:p>
             <a:fld id="{82BFF952-1403-45BF-86A1-E2BA9ACE4472}" type="datetimeFigureOut">
               <a:rPr lang="de-DE" smtClean="0"/>
-              <a:t>12.04.2023</a:t>
+              <a:t>21.04.2023</a:t>
             </a:fld>
             <a:endParaRPr lang="de-DE"/>
           </a:p>
@@ -875,7 +875,7 @@
           <a:p>
             <a:fld id="{EFEC45B1-F788-46AE-AAC0-0AB7864C8CDB}" type="datetimeFigureOut">
               <a:rPr lang="de-DE" smtClean="0"/>
-              <a:t>12.04.2023</a:t>
+              <a:t>21.04.2023</a:t>
             </a:fld>
             <a:endParaRPr lang="de-DE"/>
           </a:p>
@@ -1163,7 +1163,7 @@
           <a:p>
             <a:fld id="{EFEC45B1-F788-46AE-AAC0-0AB7864C8CDB}" type="datetimeFigureOut">
               <a:rPr lang="de-DE" smtClean="0"/>
-              <a:t>12.04.2023</a:t>
+              <a:t>21.04.2023</a:t>
             </a:fld>
             <a:endParaRPr lang="de-DE"/>
           </a:p>
@@ -1361,7 +1361,7 @@
           <a:p>
             <a:fld id="{EFEC45B1-F788-46AE-AAC0-0AB7864C8CDB}" type="datetimeFigureOut">
               <a:rPr lang="de-DE" smtClean="0"/>
-              <a:t>12.04.2023</a:t>
+              <a:t>21.04.2023</a:t>
             </a:fld>
             <a:endParaRPr lang="de-DE"/>
           </a:p>
@@ -1569,7 +1569,7 @@
           <a:p>
             <a:fld id="{EFEC45B1-F788-46AE-AAC0-0AB7864C8CDB}" type="datetimeFigureOut">
               <a:rPr lang="de-DE" smtClean="0"/>
-              <a:t>12.04.2023</a:t>
+              <a:t>21.04.2023</a:t>
             </a:fld>
             <a:endParaRPr lang="de-DE"/>
           </a:p>
@@ -1789,7 +1789,7 @@
           <a:p>
             <a:fld id="{EFEC45B1-F788-46AE-AAC0-0AB7864C8CDB}" type="datetimeFigureOut">
               <a:rPr lang="de-DE" smtClean="0"/>
-              <a:t>12.04.2023</a:t>
+              <a:t>21.04.2023</a:t>
             </a:fld>
             <a:endParaRPr lang="de-DE"/>
           </a:p>
@@ -2013,7 +2013,7 @@
           <a:p>
             <a:fld id="{EFEC45B1-F788-46AE-AAC0-0AB7864C8CDB}" type="datetimeFigureOut">
               <a:rPr lang="de-DE" smtClean="0"/>
-              <a:t>12.04.2023</a:t>
+              <a:t>21.04.2023</a:t>
             </a:fld>
             <a:endParaRPr lang="de-DE"/>
           </a:p>
@@ -2211,7 +2211,7 @@
           <a:p>
             <a:fld id="{EFEC45B1-F788-46AE-AAC0-0AB7864C8CDB}" type="datetimeFigureOut">
               <a:rPr lang="de-DE" smtClean="0"/>
-              <a:t>12.04.2023</a:t>
+              <a:t>21.04.2023</a:t>
             </a:fld>
             <a:endParaRPr lang="de-DE"/>
           </a:p>
@@ -2486,7 +2486,7 @@
           <a:p>
             <a:fld id="{EFEC45B1-F788-46AE-AAC0-0AB7864C8CDB}" type="datetimeFigureOut">
               <a:rPr lang="de-DE" smtClean="0"/>
-              <a:t>12.04.2023</a:t>
+              <a:t>21.04.2023</a:t>
             </a:fld>
             <a:endParaRPr lang="de-DE"/>
           </a:p>
@@ -2627,7 +2627,7 @@
           <a:p>
             <a:fld id="{EFEC45B1-F788-46AE-AAC0-0AB7864C8CDB}" type="datetimeFigureOut">
               <a:rPr lang="de-DE" smtClean="0"/>
-              <a:t>12.04.2023</a:t>
+              <a:t>21.04.2023</a:t>
             </a:fld>
             <a:endParaRPr lang="de-DE"/>
           </a:p>
@@ -2740,7 +2740,7 @@
           <a:p>
             <a:fld id="{EFEC45B1-F788-46AE-AAC0-0AB7864C8CDB}" type="datetimeFigureOut">
               <a:rPr lang="de-DE" smtClean="0"/>
-              <a:t>12.04.2023</a:t>
+              <a:t>21.04.2023</a:t>
             </a:fld>
             <a:endParaRPr lang="de-DE"/>
           </a:p>
@@ -3051,7 +3051,7 @@
           <a:p>
             <a:fld id="{EFEC45B1-F788-46AE-AAC0-0AB7864C8CDB}" type="datetimeFigureOut">
               <a:rPr lang="de-DE" smtClean="0"/>
-              <a:t>12.04.2023</a:t>
+              <a:t>21.04.2023</a:t>
             </a:fld>
             <a:endParaRPr lang="de-DE"/>
           </a:p>
@@ -3275,7 +3275,7 @@
           <a:p>
             <a:fld id="{EFEC45B1-F788-46AE-AAC0-0AB7864C8CDB}" type="datetimeFigureOut">
               <a:rPr lang="de-DE" smtClean="0"/>
-              <a:t>12.04.2023</a:t>
+              <a:t>21.04.2023</a:t>
             </a:fld>
             <a:endParaRPr lang="de-DE"/>
           </a:p>
@@ -3563,7 +3563,7 @@
           <a:p>
             <a:fld id="{EFEC45B1-F788-46AE-AAC0-0AB7864C8CDB}" type="datetimeFigureOut">
               <a:rPr lang="de-DE" smtClean="0"/>
-              <a:t>12.04.2023</a:t>
+              <a:t>21.04.2023</a:t>
             </a:fld>
             <a:endParaRPr lang="de-DE"/>
           </a:p>
@@ -3761,7 +3761,7 @@
           <a:p>
             <a:fld id="{EFEC45B1-F788-46AE-AAC0-0AB7864C8CDB}" type="datetimeFigureOut">
               <a:rPr lang="de-DE" smtClean="0"/>
-              <a:t>12.04.2023</a:t>
+              <a:t>21.04.2023</a:t>
             </a:fld>
             <a:endParaRPr lang="de-DE"/>
           </a:p>
@@ -4036,7 +4036,7 @@
           <a:p>
             <a:fld id="{EFEC45B1-F788-46AE-AAC0-0AB7864C8CDB}" type="datetimeFigureOut">
               <a:rPr lang="de-DE" smtClean="0"/>
-              <a:t>12.04.2023</a:t>
+              <a:t>21.04.2023</a:t>
             </a:fld>
             <a:endParaRPr lang="de-DE"/>
           </a:p>
@@ -4301,7 +4301,7 @@
           <a:p>
             <a:fld id="{EFEC45B1-F788-46AE-AAC0-0AB7864C8CDB}" type="datetimeFigureOut">
               <a:rPr lang="de-DE" smtClean="0"/>
-              <a:t>12.04.2023</a:t>
+              <a:t>21.04.2023</a:t>
             </a:fld>
             <a:endParaRPr lang="de-DE"/>
           </a:p>
@@ -4713,7 +4713,7 @@
           <a:p>
             <a:fld id="{EFEC45B1-F788-46AE-AAC0-0AB7864C8CDB}" type="datetimeFigureOut">
               <a:rPr lang="de-DE" smtClean="0"/>
-              <a:t>12.04.2023</a:t>
+              <a:t>21.04.2023</a:t>
             </a:fld>
             <a:endParaRPr lang="de-DE"/>
           </a:p>
@@ -4854,7 +4854,7 @@
           <a:p>
             <a:fld id="{EFEC45B1-F788-46AE-AAC0-0AB7864C8CDB}" type="datetimeFigureOut">
               <a:rPr lang="de-DE" smtClean="0"/>
-              <a:t>12.04.2023</a:t>
+              <a:t>21.04.2023</a:t>
             </a:fld>
             <a:endParaRPr lang="de-DE"/>
           </a:p>
@@ -4967,7 +4967,7 @@
           <a:p>
             <a:fld id="{EFEC45B1-F788-46AE-AAC0-0AB7864C8CDB}" type="datetimeFigureOut">
               <a:rPr lang="de-DE" smtClean="0"/>
-              <a:t>12.04.2023</a:t>
+              <a:t>21.04.2023</a:t>
             </a:fld>
             <a:endParaRPr lang="de-DE"/>
           </a:p>
@@ -5278,7 +5278,7 @@
           <a:p>
             <a:fld id="{EFEC45B1-F788-46AE-AAC0-0AB7864C8CDB}" type="datetimeFigureOut">
               <a:rPr lang="de-DE" smtClean="0"/>
-              <a:t>12.04.2023</a:t>
+              <a:t>21.04.2023</a:t>
             </a:fld>
             <a:endParaRPr lang="de-DE"/>
           </a:p>
@@ -5519,7 +5519,7 @@
           <a:p>
             <a:fld id="{EFEC45B1-F788-46AE-AAC0-0AB7864C8CDB}" type="datetimeFigureOut">
               <a:rPr lang="de-DE" smtClean="0"/>
-              <a:t>12.04.2023</a:t>
+              <a:t>21.04.2023</a:t>
             </a:fld>
             <a:endParaRPr lang="de-DE"/>
           </a:p>
@@ -5661,6 +5661,55 @@
           <a:p>
             <a:pPr algn="ctr"/>
             <a:endParaRPr lang="de-DE"/>
+          </a:p>
+        </p:txBody>
+      </p:sp>
+      <p:sp>
+        <p:nvSpPr>
+          <p:cNvPr id="8" name="MasterRectangle">
+            <a:extLst>
+              <a:ext uri="{FF2B5EF4-FFF2-40B4-BE49-F238E27FC236}">
+                <a16:creationId xmlns:a16="http://schemas.microsoft.com/office/drawing/2014/main" id="{56342546-9D97-419E-B801-6FC6EAC4110D}"/>
+              </a:ext>
+            </a:extLst>
+          </p:cNvPr>
+          <p:cNvSpPr/>
+          <p:nvPr userDrawn="1"/>
+        </p:nvSpPr>
+        <p:spPr>
+          <a:xfrm>
+            <a:off x="8610600" y="5586761"/>
+            <a:ext cx="2743200" cy="590202"/>
+          </a:xfrm>
+          <a:prstGeom prst="rect">
+            <a:avLst/>
+          </a:prstGeom>
+        </p:spPr>
+        <p:style>
+          <a:lnRef idx="2">
+            <a:schemeClr val="accent1">
+              <a:shade val="50000"/>
+            </a:schemeClr>
+          </a:lnRef>
+          <a:fillRef idx="1">
+            <a:schemeClr val="accent1"/>
+          </a:fillRef>
+          <a:effectRef idx="0">
+            <a:schemeClr val="accent1"/>
+          </a:effectRef>
+          <a:fontRef idx="minor">
+            <a:schemeClr val="lt1"/>
+          </a:fontRef>
+        </p:style>
+        <p:txBody>
+          <a:bodyPr rtlCol="0" anchor="ctr"/>
+          <a:lstStyle/>
+          <a:p>
+            <a:pPr algn="ctr"/>
+            <a:r>
+              <a:rPr lang="de-DE"/>
+              <a:t>ModifyMe</a:t>
+            </a:r>
           </a:p>
         </p:txBody>
       </p:sp>
@@ -6137,7 +6186,7 @@
           <a:p>
             <a:fld id="{EFEC45B1-F788-46AE-AAC0-0AB7864C8CDB}" type="datetimeFigureOut">
               <a:rPr lang="de-DE" smtClean="0"/>
-              <a:t>12.04.2023</a:t>
+              <a:t>21.04.2023</a:t>
             </a:fld>
             <a:endParaRPr lang="de-DE"/>
           </a:p>

--- a/__tests__/pptx-templates/SlidesWithAdditionalMaster.pptx
+++ b/__tests__/pptx-templates/SlidesWithAdditionalMaster.pptx
@@ -200,7 +200,7 @@
           <a:p>
             <a:fld id="{82BFF952-1403-45BF-86A1-E2BA9ACE4472}" type="datetimeFigureOut">
               <a:rPr lang="de-DE" smtClean="0"/>
-              <a:t>21.04.2023</a:t>
+              <a:t>17.10.2025</a:t>
             </a:fld>
             <a:endParaRPr lang="de-DE"/>
           </a:p>
@@ -873,9 +873,9 @@
           <a:bodyPr/>
           <a:lstStyle/>
           <a:p>
-            <a:fld id="{EFEC45B1-F788-46AE-AAC0-0AB7864C8CDB}" type="datetimeFigureOut">
+            <a:fld id="{55F00771-F139-49EA-801E-F4BC856FCA7C}" type="datetime1">
               <a:rPr lang="de-DE" smtClean="0"/>
-              <a:t>21.04.2023</a:t>
+              <a:t>17.10.2025</a:t>
             </a:fld>
             <a:endParaRPr lang="de-DE"/>
           </a:p>
@@ -1161,9 +1161,9 @@
           <a:bodyPr/>
           <a:lstStyle/>
           <a:p>
-            <a:fld id="{EFEC45B1-F788-46AE-AAC0-0AB7864C8CDB}" type="datetimeFigureOut">
+            <a:fld id="{84C4D435-08EB-43FD-9C36-64FBE1B15B1F}" type="datetime1">
               <a:rPr lang="de-DE" smtClean="0"/>
-              <a:t>21.04.2023</a:t>
+              <a:t>17.10.2025</a:t>
             </a:fld>
             <a:endParaRPr lang="de-DE"/>
           </a:p>
@@ -1359,9 +1359,9 @@
           <a:bodyPr/>
           <a:lstStyle/>
           <a:p>
-            <a:fld id="{EFEC45B1-F788-46AE-AAC0-0AB7864C8CDB}" type="datetimeFigureOut">
+            <a:fld id="{A0330635-32E0-4851-8239-D97E01C74070}" type="datetime1">
               <a:rPr lang="de-DE" smtClean="0"/>
-              <a:t>21.04.2023</a:t>
+              <a:t>17.10.2025</a:t>
             </a:fld>
             <a:endParaRPr lang="de-DE"/>
           </a:p>
@@ -1567,9 +1567,9 @@
           <a:bodyPr/>
           <a:lstStyle/>
           <a:p>
-            <a:fld id="{EFEC45B1-F788-46AE-AAC0-0AB7864C8CDB}" type="datetimeFigureOut">
+            <a:fld id="{A3790452-7A17-4154-BB84-51201F885A42}" type="datetime1">
               <a:rPr lang="de-DE" smtClean="0"/>
-              <a:t>21.04.2023</a:t>
+              <a:t>17.10.2025</a:t>
             </a:fld>
             <a:endParaRPr lang="de-DE"/>
           </a:p>
@@ -1787,9 +1787,9 @@
           <a:bodyPr/>
           <a:lstStyle/>
           <a:p>
-            <a:fld id="{EFEC45B1-F788-46AE-AAC0-0AB7864C8CDB}" type="datetimeFigureOut">
+            <a:fld id="{67212BA0-C691-4BC7-B246-6E60580F8C44}" type="datetime1">
               <a:rPr lang="de-DE" smtClean="0"/>
-              <a:t>21.04.2023</a:t>
+              <a:t>17.10.2025</a:t>
             </a:fld>
             <a:endParaRPr lang="de-DE"/>
           </a:p>
@@ -2011,9 +2011,9 @@
           <a:bodyPr/>
           <a:lstStyle/>
           <a:p>
-            <a:fld id="{EFEC45B1-F788-46AE-AAC0-0AB7864C8CDB}" type="datetimeFigureOut">
+            <a:fld id="{E109ACEF-492A-4621-86F2-6B79FD20860D}" type="datetime1">
               <a:rPr lang="de-DE" smtClean="0"/>
-              <a:t>21.04.2023</a:t>
+              <a:t>17.10.2025</a:t>
             </a:fld>
             <a:endParaRPr lang="de-DE"/>
           </a:p>
@@ -2209,9 +2209,9 @@
           <a:bodyPr/>
           <a:lstStyle/>
           <a:p>
-            <a:fld id="{EFEC45B1-F788-46AE-AAC0-0AB7864C8CDB}" type="datetimeFigureOut">
+            <a:fld id="{56AB0A21-3C27-4BE0-AEDD-52C67FFCD0E2}" type="datetime1">
               <a:rPr lang="de-DE" smtClean="0"/>
-              <a:t>21.04.2023</a:t>
+              <a:t>17.10.2025</a:t>
             </a:fld>
             <a:endParaRPr lang="de-DE"/>
           </a:p>
@@ -2484,9 +2484,9 @@
           <a:bodyPr/>
           <a:lstStyle/>
           <a:p>
-            <a:fld id="{EFEC45B1-F788-46AE-AAC0-0AB7864C8CDB}" type="datetimeFigureOut">
+            <a:fld id="{DAF0BF17-3A4A-4474-83EA-3B88EA8ECBD2}" type="datetime1">
               <a:rPr lang="de-DE" smtClean="0"/>
-              <a:t>21.04.2023</a:t>
+              <a:t>17.10.2025</a:t>
             </a:fld>
             <a:endParaRPr lang="de-DE"/>
           </a:p>
@@ -2625,9 +2625,9 @@
           <a:bodyPr/>
           <a:lstStyle/>
           <a:p>
-            <a:fld id="{EFEC45B1-F788-46AE-AAC0-0AB7864C8CDB}" type="datetimeFigureOut">
+            <a:fld id="{3ADCA3EB-687F-4602-A434-873CC4AF7254}" type="datetime1">
               <a:rPr lang="de-DE" smtClean="0"/>
-              <a:t>21.04.2023</a:t>
+              <a:t>17.10.2025</a:t>
             </a:fld>
             <a:endParaRPr lang="de-DE"/>
           </a:p>
@@ -2738,9 +2738,9 @@
           <a:bodyPr/>
           <a:lstStyle/>
           <a:p>
-            <a:fld id="{EFEC45B1-F788-46AE-AAC0-0AB7864C8CDB}" type="datetimeFigureOut">
+            <a:fld id="{2DB812D1-F25F-4465-BF5E-BB25D26CDFCB}" type="datetime1">
               <a:rPr lang="de-DE" smtClean="0"/>
-              <a:t>21.04.2023</a:t>
+              <a:t>17.10.2025</a:t>
             </a:fld>
             <a:endParaRPr lang="de-DE"/>
           </a:p>
@@ -3049,9 +3049,9 @@
           <a:bodyPr/>
           <a:lstStyle/>
           <a:p>
-            <a:fld id="{EFEC45B1-F788-46AE-AAC0-0AB7864C8CDB}" type="datetimeFigureOut">
+            <a:fld id="{66C83B1A-CC1C-4B5C-96A0-F2A4E9D2502B}" type="datetime1">
               <a:rPr lang="de-DE" smtClean="0"/>
-              <a:t>21.04.2023</a:t>
+              <a:t>17.10.2025</a:t>
             </a:fld>
             <a:endParaRPr lang="de-DE"/>
           </a:p>
@@ -3273,9 +3273,9 @@
           <a:bodyPr/>
           <a:lstStyle/>
           <a:p>
-            <a:fld id="{EFEC45B1-F788-46AE-AAC0-0AB7864C8CDB}" type="datetimeFigureOut">
+            <a:fld id="{3DA0FED1-62B5-46BB-A15E-6AED772971BE}" type="datetime1">
               <a:rPr lang="de-DE" smtClean="0"/>
-              <a:t>21.04.2023</a:t>
+              <a:t>17.10.2025</a:t>
             </a:fld>
             <a:endParaRPr lang="de-DE"/>
           </a:p>
@@ -3561,9 +3561,9 @@
           <a:bodyPr/>
           <a:lstStyle/>
           <a:p>
-            <a:fld id="{EFEC45B1-F788-46AE-AAC0-0AB7864C8CDB}" type="datetimeFigureOut">
+            <a:fld id="{1B6AD7BF-0AA2-4FA8-9E6F-612179D59133}" type="datetime1">
               <a:rPr lang="de-DE" smtClean="0"/>
-              <a:t>21.04.2023</a:t>
+              <a:t>17.10.2025</a:t>
             </a:fld>
             <a:endParaRPr lang="de-DE"/>
           </a:p>
@@ -3759,9 +3759,9 @@
           <a:bodyPr/>
           <a:lstStyle/>
           <a:p>
-            <a:fld id="{EFEC45B1-F788-46AE-AAC0-0AB7864C8CDB}" type="datetimeFigureOut">
+            <a:fld id="{F64097A6-DD61-4B7F-9BD2-32E91642F6B8}" type="datetime1">
               <a:rPr lang="de-DE" smtClean="0"/>
-              <a:t>21.04.2023</a:t>
+              <a:t>17.10.2025</a:t>
             </a:fld>
             <a:endParaRPr lang="de-DE"/>
           </a:p>
@@ -4034,9 +4034,9 @@
           <a:bodyPr/>
           <a:lstStyle/>
           <a:p>
-            <a:fld id="{EFEC45B1-F788-46AE-AAC0-0AB7864C8CDB}" type="datetimeFigureOut">
+            <a:fld id="{5B174896-50FE-4928-8D99-F74CD155D103}" type="datetime1">
               <a:rPr lang="de-DE" smtClean="0"/>
-              <a:t>21.04.2023</a:t>
+              <a:t>17.10.2025</a:t>
             </a:fld>
             <a:endParaRPr lang="de-DE"/>
           </a:p>
@@ -4299,9 +4299,9 @@
           <a:bodyPr/>
           <a:lstStyle/>
           <a:p>
-            <a:fld id="{EFEC45B1-F788-46AE-AAC0-0AB7864C8CDB}" type="datetimeFigureOut">
+            <a:fld id="{34BBF67F-7FA3-4822-BB92-5700DAAA2F36}" type="datetime1">
               <a:rPr lang="de-DE" smtClean="0"/>
-              <a:t>21.04.2023</a:t>
+              <a:t>17.10.2025</a:t>
             </a:fld>
             <a:endParaRPr lang="de-DE"/>
           </a:p>
@@ -4711,9 +4711,9 @@
           <a:bodyPr/>
           <a:lstStyle/>
           <a:p>
-            <a:fld id="{EFEC45B1-F788-46AE-AAC0-0AB7864C8CDB}" type="datetimeFigureOut">
+            <a:fld id="{CCF2510D-E3F9-4D06-8BF6-2ACD0D9F6303}" type="datetime1">
               <a:rPr lang="de-DE" smtClean="0"/>
-              <a:t>21.04.2023</a:t>
+              <a:t>17.10.2025</a:t>
             </a:fld>
             <a:endParaRPr lang="de-DE"/>
           </a:p>
@@ -4852,9 +4852,9 @@
           <a:bodyPr/>
           <a:lstStyle/>
           <a:p>
-            <a:fld id="{EFEC45B1-F788-46AE-AAC0-0AB7864C8CDB}" type="datetimeFigureOut">
+            <a:fld id="{5534C3C7-AEC1-4D47-92B9-09F8F1AA6A79}" type="datetime1">
               <a:rPr lang="de-DE" smtClean="0"/>
-              <a:t>21.04.2023</a:t>
+              <a:t>17.10.2025</a:t>
             </a:fld>
             <a:endParaRPr lang="de-DE"/>
           </a:p>
@@ -4965,9 +4965,9 @@
           <a:bodyPr/>
           <a:lstStyle/>
           <a:p>
-            <a:fld id="{EFEC45B1-F788-46AE-AAC0-0AB7864C8CDB}" type="datetimeFigureOut">
+            <a:fld id="{D097AF1A-7210-4694-BBD2-12B2A68995EB}" type="datetime1">
               <a:rPr lang="de-DE" smtClean="0"/>
-              <a:t>21.04.2023</a:t>
+              <a:t>17.10.2025</a:t>
             </a:fld>
             <a:endParaRPr lang="de-DE"/>
           </a:p>
@@ -5276,9 +5276,9 @@
           <a:bodyPr/>
           <a:lstStyle/>
           <a:p>
-            <a:fld id="{EFEC45B1-F788-46AE-AAC0-0AB7864C8CDB}" type="datetimeFigureOut">
+            <a:fld id="{415AB33F-F295-4F2B-8FD1-3E17DAC033D8}" type="datetime1">
               <a:rPr lang="de-DE" smtClean="0"/>
-              <a:t>21.04.2023</a:t>
+              <a:t>17.10.2025</a:t>
             </a:fld>
             <a:endParaRPr lang="de-DE"/>
           </a:p>
@@ -5517,9 +5517,9 @@
             </a:lvl1pPr>
           </a:lstStyle>
           <a:p>
-            <a:fld id="{EFEC45B1-F788-46AE-AAC0-0AB7864C8CDB}" type="datetimeFigureOut">
+            <a:fld id="{B3E0C02F-5758-4AD9-BC97-D402D31EBE70}" type="datetime1">
               <a:rPr lang="de-DE" smtClean="0"/>
-              <a:t>21.04.2023</a:t>
+              <a:t>17.10.2025</a:t>
             </a:fld>
             <a:endParaRPr lang="de-DE"/>
           </a:p>
@@ -5735,6 +5735,7 @@
     <p:sldLayoutId id="2147483670" r:id="rId11"/>
     <p:sldLayoutId id="2147483671" r:id="rId12"/>
   </p:sldLayoutIdLst>
+  <p:hf hdr="0"/>
   <p:txStyles>
     <p:titleStyle>
       <a:lvl1pPr algn="l" defTabSz="914400" rtl="0" eaLnBrk="1" latinLnBrk="0" hangingPunct="1">
@@ -6184,9 +6185,9 @@
             </a:lvl1pPr>
           </a:lstStyle>
           <a:p>
-            <a:fld id="{EFEC45B1-F788-46AE-AAC0-0AB7864C8CDB}" type="datetimeFigureOut">
+            <a:fld id="{8F74684A-0623-43E9-A708-58CEF42726E6}" type="datetime1">
               <a:rPr lang="de-DE" smtClean="0"/>
-              <a:t>21.04.2023</a:t>
+              <a:t>17.10.2025</a:t>
             </a:fld>
             <a:endParaRPr lang="de-DE"/>
           </a:p>
@@ -6352,6 +6353,7 @@
     <p:sldLayoutId id="2147483682" r:id="rId7"/>
     <p:sldLayoutId id="2147483683" r:id="rId8"/>
   </p:sldLayoutIdLst>
+  <p:hf hdr="0"/>
   <p:txStyles>
     <p:titleStyle>
       <a:lvl1pPr algn="l" defTabSz="914400" rtl="0" eaLnBrk="1" latinLnBrk="0" hangingPunct="1">
@@ -6708,6 +6710,89 @@
           </a:p>
         </p:txBody>
       </p:sp>
+      <p:sp>
+        <p:nvSpPr>
+          <p:cNvPr id="4" name="Datumsplatzhalter 3">
+            <a:extLst>
+              <a:ext uri="{FF2B5EF4-FFF2-40B4-BE49-F238E27FC236}">
+                <a16:creationId xmlns:a16="http://schemas.microsoft.com/office/drawing/2014/main" id="{F85D03E5-58A5-4725-9906-0C7BE42AA559}"/>
+              </a:ext>
+            </a:extLst>
+          </p:cNvPr>
+          <p:cNvSpPr>
+            <a:spLocks noGrp="1"/>
+          </p:cNvSpPr>
+          <p:nvPr>
+            <p:ph type="dt" sz="half" idx="10"/>
+          </p:nvPr>
+        </p:nvSpPr>
+        <p:spPr/>
+        <p:txBody>
+          <a:bodyPr/>
+          <a:lstStyle/>
+          <a:p>
+            <a:fld id="{00D827D6-43BF-4543-BF18-3FBE973CEA3E}" type="datetime1">
+              <a:rPr lang="de-DE" smtClean="0"/>
+              <a:t>17.10.2025</a:t>
+            </a:fld>
+            <a:endParaRPr lang="de-DE"/>
+          </a:p>
+        </p:txBody>
+      </p:sp>
+      <p:sp>
+        <p:nvSpPr>
+          <p:cNvPr id="5" name="Fußzeilenplatzhalter 4">
+            <a:extLst>
+              <a:ext uri="{FF2B5EF4-FFF2-40B4-BE49-F238E27FC236}">
+                <a16:creationId xmlns:a16="http://schemas.microsoft.com/office/drawing/2014/main" id="{77102F68-5396-45CF-9A76-1920F7FC0E33}"/>
+              </a:ext>
+            </a:extLst>
+          </p:cNvPr>
+          <p:cNvSpPr>
+            <a:spLocks noGrp="1"/>
+          </p:cNvSpPr>
+          <p:nvPr>
+            <p:ph type="ftr" sz="quarter" idx="11"/>
+          </p:nvPr>
+        </p:nvSpPr>
+        <p:spPr/>
+        <p:txBody>
+          <a:bodyPr/>
+          <a:lstStyle/>
+          <a:p>
+            <a:endParaRPr lang="de-DE"/>
+          </a:p>
+        </p:txBody>
+      </p:sp>
+      <p:sp>
+        <p:nvSpPr>
+          <p:cNvPr id="6" name="Foliennummernplatzhalter 5">
+            <a:extLst>
+              <a:ext uri="{FF2B5EF4-FFF2-40B4-BE49-F238E27FC236}">
+                <a16:creationId xmlns:a16="http://schemas.microsoft.com/office/drawing/2014/main" id="{C3A27EA6-E80D-42D7-BF5A-2F77B5B6482E}"/>
+              </a:ext>
+            </a:extLst>
+          </p:cNvPr>
+          <p:cNvSpPr>
+            <a:spLocks noGrp="1"/>
+          </p:cNvSpPr>
+          <p:nvPr>
+            <p:ph type="sldNum" sz="quarter" idx="12"/>
+          </p:nvPr>
+        </p:nvSpPr>
+        <p:spPr/>
+        <p:txBody>
+          <a:bodyPr/>
+          <a:lstStyle/>
+          <a:p>
+            <a:fld id="{F4F5BDC7-A453-4B62-B9FF-BE69BD8ECF8C}" type="slidenum">
+              <a:rPr lang="de-DE" smtClean="0"/>
+              <a:t>1</a:t>
+            </a:fld>
+            <a:endParaRPr lang="de-DE"/>
+          </a:p>
+        </p:txBody>
+      </p:sp>
     </p:spTree>
     <p:extLst>
       <p:ext uri="{BB962C8B-B14F-4D97-AF65-F5344CB8AC3E}">
@@ -6819,6 +6904,89 @@
               <a:rPr lang="de-DE"/>
               <a:t>Orange Title</a:t>
             </a:r>
+          </a:p>
+        </p:txBody>
+      </p:sp>
+      <p:sp>
+        <p:nvSpPr>
+          <p:cNvPr id="5" name="Datumsplatzhalter 4">
+            <a:extLst>
+              <a:ext uri="{FF2B5EF4-FFF2-40B4-BE49-F238E27FC236}">
+                <a16:creationId xmlns:a16="http://schemas.microsoft.com/office/drawing/2014/main" id="{C477B212-9A68-4427-A2A1-C238F1EFA8D4}"/>
+              </a:ext>
+            </a:extLst>
+          </p:cNvPr>
+          <p:cNvSpPr>
+            <a:spLocks noGrp="1"/>
+          </p:cNvSpPr>
+          <p:nvPr>
+            <p:ph type="dt" sz="half" idx="10"/>
+          </p:nvPr>
+        </p:nvSpPr>
+        <p:spPr/>
+        <p:txBody>
+          <a:bodyPr/>
+          <a:lstStyle/>
+          <a:p>
+            <a:fld id="{E720FEE4-D1BC-4C07-B110-ED1D46DCCBBC}" type="datetime1">
+              <a:rPr lang="de-DE" smtClean="0"/>
+              <a:t>17.10.2025</a:t>
+            </a:fld>
+            <a:endParaRPr lang="de-DE"/>
+          </a:p>
+        </p:txBody>
+      </p:sp>
+      <p:sp>
+        <p:nvSpPr>
+          <p:cNvPr id="6" name="Fußzeilenplatzhalter 5">
+            <a:extLst>
+              <a:ext uri="{FF2B5EF4-FFF2-40B4-BE49-F238E27FC236}">
+                <a16:creationId xmlns:a16="http://schemas.microsoft.com/office/drawing/2014/main" id="{310D89D8-A007-42AC-85E6-65C9C4B40B8B}"/>
+              </a:ext>
+            </a:extLst>
+          </p:cNvPr>
+          <p:cNvSpPr>
+            <a:spLocks noGrp="1"/>
+          </p:cNvSpPr>
+          <p:nvPr>
+            <p:ph type="ftr" sz="quarter" idx="11"/>
+          </p:nvPr>
+        </p:nvSpPr>
+        <p:spPr/>
+        <p:txBody>
+          <a:bodyPr/>
+          <a:lstStyle/>
+          <a:p>
+            <a:endParaRPr lang="de-DE"/>
+          </a:p>
+        </p:txBody>
+      </p:sp>
+      <p:sp>
+        <p:nvSpPr>
+          <p:cNvPr id="7" name="Foliennummernplatzhalter 6">
+            <a:extLst>
+              <a:ext uri="{FF2B5EF4-FFF2-40B4-BE49-F238E27FC236}">
+                <a16:creationId xmlns:a16="http://schemas.microsoft.com/office/drawing/2014/main" id="{F0F92775-86F7-497C-9E49-DFAD5B28129A}"/>
+              </a:ext>
+            </a:extLst>
+          </p:cNvPr>
+          <p:cNvSpPr>
+            <a:spLocks noGrp="1"/>
+          </p:cNvSpPr>
+          <p:nvPr>
+            <p:ph type="sldNum" sz="quarter" idx="12"/>
+          </p:nvPr>
+        </p:nvSpPr>
+        <p:spPr/>
+        <p:txBody>
+          <a:bodyPr/>
+          <a:lstStyle/>
+          <a:p>
+            <a:fld id="{F4F5BDC7-A453-4B62-B9FF-BE69BD8ECF8C}" type="slidenum">
+              <a:rPr lang="de-DE" smtClean="0"/>
+              <a:t>2</a:t>
+            </a:fld>
+            <a:endParaRPr lang="de-DE"/>
           </a:p>
         </p:txBody>
       </p:sp>
